--- a/webpack配置介绍.pptx
+++ b/webpack配置介绍.pptx
@@ -6,7 +6,7 @@
     <p:sldMasterId id="2147483668" r:id="rId3"/>
   </p:sldMasterIdLst>
   <p:notesMasterIdLst>
-    <p:notesMasterId r:id="rId19"/>
+    <p:notesMasterId r:id="rId18"/>
   </p:notesMasterIdLst>
   <p:sldIdLst>
     <p:sldId id="257" r:id="rId4"/>
@@ -21,9 +21,8 @@
     <p:sldId id="315" r:id="rId13"/>
     <p:sldId id="313" r:id="rId14"/>
     <p:sldId id="317" r:id="rId15"/>
-    <p:sldId id="316" r:id="rId16"/>
-    <p:sldId id="311" r:id="rId17"/>
-    <p:sldId id="288" r:id="rId18"/>
+    <p:sldId id="311" r:id="rId16"/>
+    <p:sldId id="288" r:id="rId17"/>
   </p:sldIdLst>
   <p:sldSz cx="12192000" cy="6858000"/>
   <p:notesSz cx="6858000" cy="9144000"/>
@@ -137,19 +136,18 @@
         </p14:section>
         <p14:section name="转场页" id="{ADE73BE6-817D-41FD-A3F6-90B6E46C832A}">
           <p14:sldIdLst>
+            <p14:sldId id="274"/>
+            <p14:sldId id="294"/>
+            <p14:sldId id="283"/>
+            <p14:sldId id="315"/>
+            <p14:sldId id="313"/>
+            <p14:sldId id="317"/>
             <p14:sldId id="263"/>
             <p14:sldId id="296"/>
-            <p14:sldId id="274"/>
             <p14:sldId id="282"/>
-            <p14:sldId id="294"/>
-            <p14:sldId id="283"/>
-            <p14:sldId id="309"/>
             <p14:sldId id="311"/>
             <p14:sldId id="288"/>
-            <p14:sldId id="315"/>
-            <p14:sldId id="317"/>
-            <p14:sldId id="316"/>
-            <p14:sldId id="313"/>
+            <p14:sldId id="309"/>
           </p14:sldIdLst>
         </p14:section>
         <p14:section name="内容页" id="{3FA98AE0-3449-466D-8876-C2F006DF1F53}">
@@ -37685,7 +37683,6 @@
             </a:pPr>
             <a:r>
               <a:rPr lang="zh-CN" altLang="en-US" sz="1400">
-                <a:ln/>
                 <a:solidFill>
                   <a:schemeClr val="accent1"/>
                 </a:solidFill>
@@ -37705,7 +37702,6 @@
             </a:r>
             <a:r>
               <a:rPr lang="en-US" altLang="zh-CN" sz="1400">
-                <a:ln/>
                 <a:solidFill>
                   <a:schemeClr val="accent1"/>
                 </a:solidFill>
@@ -37725,7 +37721,6 @@
             </a:r>
             <a:r>
               <a:rPr lang="zh-CN" altLang="en-US" sz="1400">
-                <a:ln/>
                 <a:solidFill>
                   <a:schemeClr val="accent1"/>
                 </a:solidFill>
@@ -38209,129 +38204,6 @@
       </p:grpSpPr>
       <p:sp>
         <p:nvSpPr>
-          <p:cNvPr id="5" name="文本占位符 4"/>
-          <p:cNvSpPr>
-            <a:spLocks noGrp="1"/>
-          </p:cNvSpPr>
-          <p:nvPr>
-            <p:ph type="body" sz="quarter" idx="10"/>
-          </p:nvPr>
-        </p:nvSpPr>
-        <p:spPr>
-          <a:xfrm>
-            <a:off x="637540" y="494665"/>
-            <a:ext cx="7564120" cy="460375"/>
-          </a:xfrm>
-        </p:spPr>
-        <p:txBody>
-          <a:bodyPr wrap="square"/>
-          <a:lstStyle/>
-          <a:p>
-            <a:r>
-              <a:rPr lang="en-US" altLang="zh-CN">
-                <a:gradFill>
-                  <a:gsLst>
-                    <a:gs pos="0">
-                      <a:schemeClr val="tx1"/>
-                    </a:gs>
-                    <a:gs pos="100000">
-                      <a:schemeClr val="accent1">
-                        <a:lumMod val="40000"/>
-                        <a:lumOff val="60000"/>
-                      </a:schemeClr>
-                    </a:gs>
-                  </a:gsLst>
-                  <a:lin ang="5400000" scaled="1"/>
-                </a:gradFill>
-                <a:latin typeface="Arial" panose="020B0604020202090204" pitchFamily="34" charset="0"/>
-                <a:ea typeface="微软雅黑" panose="020B0503020204020204" pitchFamily="34" charset="-122"/>
-                <a:sym typeface="Arial" panose="020B0604020202090204" pitchFamily="34" charset="0"/>
-              </a:rPr>
-              <a:t>Lazy Loading</a:t>
-            </a:r>
-            <a:r>
-              <a:rPr>
-                <a:gradFill>
-                  <a:gsLst>
-                    <a:gs pos="0">
-                      <a:schemeClr val="tx1"/>
-                    </a:gs>
-                    <a:gs pos="100000">
-                      <a:schemeClr val="accent1">
-                        <a:lumMod val="40000"/>
-                        <a:lumOff val="60000"/>
-                      </a:schemeClr>
-                    </a:gs>
-                  </a:gsLst>
-                  <a:lin ang="5400000" scaled="1"/>
-                </a:gradFill>
-                <a:latin typeface="Arial" panose="020B0604020202090204" pitchFamily="34" charset="0"/>
-                <a:ea typeface="微软雅黑" panose="020B0503020204020204" pitchFamily="34" charset="-122"/>
-                <a:sym typeface="Arial" panose="020B0604020202090204" pitchFamily="34" charset="0"/>
-              </a:rPr>
-              <a:t>懒加载</a:t>
-            </a:r>
-            <a:endParaRPr>
-              <a:gradFill>
-                <a:gsLst>
-                  <a:gs pos="0">
-                    <a:schemeClr val="tx1"/>
-                  </a:gs>
-                  <a:gs pos="100000">
-                    <a:schemeClr val="accent1">
-                      <a:lumMod val="40000"/>
-                      <a:lumOff val="60000"/>
-                    </a:schemeClr>
-                  </a:gs>
-                </a:gsLst>
-                <a:lin ang="5400000" scaled="1"/>
-              </a:gradFill>
-              <a:latin typeface="Arial" panose="020B0604020202090204" pitchFamily="34" charset="0"/>
-              <a:ea typeface="微软雅黑" panose="020B0503020204020204" pitchFamily="34" charset="-122"/>
-              <a:sym typeface="Arial" panose="020B0604020202090204" pitchFamily="34" charset="0"/>
-            </a:endParaRPr>
-          </a:p>
-        </p:txBody>
-      </p:sp>
-    </p:spTree>
-  </p:cSld>
-  <p:clrMapOvr>
-    <a:masterClrMapping/>
-  </p:clrMapOvr>
-  <mc:AlternateContent xmlns:mc="http://schemas.openxmlformats.org/markup-compatibility/2006">
-    <mc:Choice xmlns:p14="http://schemas.microsoft.com/office/powerpoint/2010/main" Requires="p14">
-      <p:transition spd="med" p14:dur="700">
-        <p:fade/>
-      </p:transition>
-    </mc:Choice>
-    <mc:Fallback>
-      <p:transition spd="med">
-        <p:fade/>
-      </p:transition>
-    </mc:Fallback>
-  </mc:AlternateContent>
-</p:sld>
-</file>
-
-<file path=ppt/slides/slide14.xml><?xml version="1.0" encoding="utf-8"?>
-<p:sld xmlns:a="http://schemas.openxmlformats.org/drawingml/2006/main" xmlns:r="http://schemas.openxmlformats.org/officeDocument/2006/relationships" xmlns:p="http://schemas.openxmlformats.org/presentationml/2006/main">
-  <p:cSld>
-    <p:spTree>
-      <p:nvGrpSpPr>
-        <p:cNvPr id="1" name=""/>
-        <p:cNvGrpSpPr/>
-        <p:nvPr/>
-      </p:nvGrpSpPr>
-      <p:grpSpPr>
-        <a:xfrm>
-          <a:off x="0" y="0"/>
-          <a:ext cx="0" cy="0"/>
-          <a:chOff x="0" y="0"/>
-          <a:chExt cx="0" cy="0"/>
-        </a:xfrm>
-      </p:grpSpPr>
-      <p:sp>
-        <p:nvSpPr>
           <p:cNvPr id="4" name="文本占位符 3"/>
           <p:cNvSpPr>
             <a:spLocks noGrp="1"/>
@@ -38412,7 +38284,7 @@
 </p:sld>
 </file>
 
-<file path=ppt/slides/slide15.xml><?xml version="1.0" encoding="utf-8"?>
+<file path=ppt/slides/slide14.xml><?xml version="1.0" encoding="utf-8"?>
 <p:sld xmlns:a="http://schemas.openxmlformats.org/drawingml/2006/main" xmlns:r="http://schemas.openxmlformats.org/officeDocument/2006/relationships" xmlns:p="http://schemas.openxmlformats.org/presentationml/2006/main">
   <p:cSld>
     <p:spTree>
@@ -47201,7 +47073,7 @@
         <p:spPr>
           <a:xfrm>
             <a:off x="8222543" y="1717322"/>
-            <a:ext cx="2958352" cy="624786"/>
+            <a:ext cx="2958352" cy="370840"/>
           </a:xfrm>
           <a:prstGeom prst="rect">
             <a:avLst/>
@@ -47230,7 +47102,35 @@
                 <a:cs typeface="+mn-ea"/>
                 <a:sym typeface="Arial" panose="020B0604020202090204" pitchFamily="34" charset="0"/>
               </a:rPr>
-              <a:t>标题数字等都可以通过点击和重新输入进行更改。</a:t>
+              <a:t>打包</a:t>
+            </a:r>
+            <a:r>
+              <a:rPr lang="en-US" altLang="zh-CN" sz="1400">
+                <a:solidFill>
+                  <a:prstClr val="white">
+                    <a:lumMod val="95000"/>
+                  </a:prstClr>
+                </a:solidFill>
+                <a:latin typeface="Arial" panose="020B0604020202090204" pitchFamily="34" charset="0"/>
+                <a:ea typeface="微软雅黑" panose="020B0503020204020204" pitchFamily="34" charset="-122"/>
+                <a:cs typeface="+mn-ea"/>
+                <a:sym typeface="Arial" panose="020B0604020202090204" pitchFamily="34" charset="0"/>
+              </a:rPr>
+              <a:t>import</a:t>
+            </a:r>
+            <a:r>
+              <a:rPr lang="zh-CN" altLang="en-US" sz="1400">
+                <a:solidFill>
+                  <a:prstClr val="white">
+                    <a:lumMod val="95000"/>
+                  </a:prstClr>
+                </a:solidFill>
+                <a:latin typeface="Arial" panose="020B0604020202090204" pitchFamily="34" charset="0"/>
+                <a:ea typeface="微软雅黑" panose="020B0503020204020204" pitchFamily="34" charset="-122"/>
+                <a:cs typeface="+mn-ea"/>
+                <a:sym typeface="Arial" panose="020B0604020202090204" pitchFamily="34" charset="0"/>
+              </a:rPr>
+              <a:t>引用文件</a:t>
             </a:r>
             <a:endParaRPr lang="zh-CN" altLang="en-US" sz="1400">
               <a:solidFill>
@@ -47635,7 +47535,7 @@
         <p:spPr>
           <a:xfrm>
             <a:off x="8222543" y="5012974"/>
-            <a:ext cx="2958352" cy="624786"/>
+            <a:ext cx="2958352" cy="370840"/>
           </a:xfrm>
           <a:prstGeom prst="rect">
             <a:avLst/>
@@ -47664,7 +47564,7 @@
                 <a:cs typeface="+mn-ea"/>
                 <a:sym typeface="Arial" panose="020B0604020202090204" pitchFamily="34" charset="0"/>
               </a:rPr>
-              <a:t>标题数字等都可以通过点击和重新输入进行更改。</a:t>
+              <a:t>懒加载非必须代码</a:t>
             </a:r>
             <a:endParaRPr lang="zh-CN" altLang="en-US" sz="1400">
               <a:solidFill>
